--- a/COVIDAvril2020.pptx
+++ b/COVIDAvril2020.pptx
@@ -4939,13 +4939,13 @@
               <a:rPr lang="fr-FR" sz="1800" b="1" dirty="0">
                 <a:latin typeface="Trebuchet MS" pitchFamily="34" charset="0"/>
               </a:rPr>
-              <a:t>April 22</a:t>
+              <a:t>April 25</a:t>
             </a:r>
             <a:r>
               <a:rPr lang="en-US" sz="1800" b="1" baseline="30000" dirty="0" err="1">
                 <a:latin typeface="Trebuchet MS" pitchFamily="34" charset="0"/>
               </a:rPr>
-              <a:t>nd</a:t>
+              <a:t>th</a:t>
             </a:r>
             <a:r>
               <a:rPr lang="en-US" sz="1800" b="1" dirty="0">
@@ -11138,7 +11138,7 @@
         </p:nvSpPr>
         <p:spPr bwMode="auto">
           <a:xfrm>
-            <a:off x="3305257" y="4357631"/>
+            <a:off x="3326724" y="4418807"/>
             <a:ext cx="1180658" cy="618344"/>
           </a:xfrm>
           <a:prstGeom prst="rect">
@@ -11166,109 +11166,27 @@
           </a:bodyPr>
           <a:lstStyle/>
           <a:p>
-            <a:pPr marL="0" marR="0" indent="0" algn="ctr" defTabSz="914400" rtl="0" eaLnBrk="1" fontAlgn="base" latinLnBrk="0" hangingPunct="1">
-              <a:lnSpc>
-                <a:spcPct val="100000"/>
-              </a:lnSpc>
-              <a:spcBef>
-                <a:spcPct val="0"/>
-              </a:spcBef>
-              <a:spcAft>
-                <a:spcPct val="0"/>
-              </a:spcAft>
-              <a:buClrTx/>
-              <a:buSzTx/>
-              <a:buFontTx/>
-              <a:buNone/>
-              <a:tabLst/>
-            </a:pPr>
-            <a:r>
-              <a:rPr kumimoji="0" lang="fr-FR" sz="1200" b="0" i="0" u="none" strike="noStrike" cap="none" normalizeH="0" baseline="0" dirty="0" err="1">
-                <a:ln>
-                  <a:noFill/>
-                </a:ln>
-                <a:solidFill>
-                  <a:schemeClr val="tx1"/>
-                </a:solidFill>
-                <a:effectLst/>
-                <a:latin typeface="Trebuchet MS" pitchFamily="34" charset="0"/>
-              </a:rPr>
-              <a:t>Below</a:t>
-            </a:r>
-            <a:r>
-              <a:rPr kumimoji="0" lang="fr-FR" sz="1200" b="0" i="0" u="none" strike="noStrike" cap="none" normalizeH="0" baseline="0" dirty="0">
-                <a:ln>
-                  <a:noFill/>
-                </a:ln>
-                <a:solidFill>
-                  <a:schemeClr val="tx1"/>
-                </a:solidFill>
-                <a:effectLst/>
-                <a:latin typeface="Trebuchet MS" pitchFamily="34" charset="0"/>
-              </a:rPr>
-              <a:t> 60</a:t>
+            <a:pPr algn="ctr"/>
+            <a:r>
+              <a:rPr lang="fr-FR" sz="1200" dirty="0"/>
+              <a:t>60-80</a:t>
             </a:r>
             <a:br>
-              <a:rPr kumimoji="0" lang="fr-FR" sz="1200" b="0" i="0" u="none" strike="noStrike" cap="none" normalizeH="0" baseline="0" dirty="0">
-                <a:ln>
-                  <a:noFill/>
-                </a:ln>
-                <a:solidFill>
-                  <a:schemeClr val="tx1"/>
-                </a:solidFill>
-                <a:effectLst/>
-                <a:latin typeface="Trebuchet MS" pitchFamily="34" charset="0"/>
-              </a:rPr>
+              <a:rPr lang="fr-FR" sz="1200" dirty="0"/>
             </a:br>
             <a:r>
-              <a:rPr kumimoji="0" lang="fr-FR" sz="1200" b="0" i="0" u="none" strike="noStrike" cap="none" normalizeH="0" baseline="0" dirty="0" err="1">
-                <a:ln>
-                  <a:noFill/>
-                </a:ln>
-                <a:solidFill>
-                  <a:schemeClr val="tx1"/>
-                </a:solidFill>
-                <a:effectLst/>
-                <a:latin typeface="Trebuchet MS" pitchFamily="34" charset="0"/>
-              </a:rPr>
+              <a:rPr lang="fr-FR" sz="1200" dirty="0" err="1"/>
               <a:t>years</a:t>
             </a:r>
             <a:r>
-              <a:rPr kumimoji="0" lang="fr-FR" sz="1200" b="0" i="0" u="none" strike="noStrike" cap="none" normalizeH="0" baseline="0" dirty="0">
-                <a:ln>
-                  <a:noFill/>
-                </a:ln>
-                <a:solidFill>
-                  <a:schemeClr val="tx1"/>
-                </a:solidFill>
-                <a:effectLst/>
-                <a:latin typeface="Trebuchet MS" pitchFamily="34" charset="0"/>
-              </a:rPr>
+              <a:rPr lang="fr-FR" sz="1200" dirty="0"/>
               <a:t> </a:t>
             </a:r>
             <a:r>
-              <a:rPr kumimoji="0" lang="fr-FR" sz="1200" b="0" i="0" u="none" strike="noStrike" cap="none" normalizeH="0" baseline="0" dirty="0" err="1">
-                <a:ln>
-                  <a:noFill/>
-                </a:ln>
-                <a:solidFill>
-                  <a:schemeClr val="tx1"/>
-                </a:solidFill>
-                <a:effectLst/>
-                <a:latin typeface="Trebuchet MS" pitchFamily="34" charset="0"/>
-              </a:rPr>
+              <a:rPr lang="fr-FR" sz="1200" dirty="0" err="1"/>
               <a:t>old</a:t>
             </a:r>
-            <a:endParaRPr kumimoji="0" lang="fr-FR" sz="1200" b="0" i="0" u="none" strike="noStrike" cap="none" normalizeH="0" baseline="0" dirty="0">
-              <a:ln>
-                <a:noFill/>
-              </a:ln>
-              <a:solidFill>
-                <a:schemeClr val="tx1"/>
-              </a:solidFill>
-              <a:effectLst/>
-              <a:latin typeface="Trebuchet MS" pitchFamily="34" charset="0"/>
-            </a:endParaRPr>
+            <a:endParaRPr lang="fr-FR" sz="1200" dirty="0"/>
           </a:p>
         </p:txBody>
       </p:sp>
@@ -12034,109 +11952,27 @@
           </a:bodyPr>
           <a:lstStyle/>
           <a:p>
-            <a:pPr marL="0" marR="0" indent="0" algn="ctr" defTabSz="914400" rtl="0" eaLnBrk="1" fontAlgn="base" latinLnBrk="0" hangingPunct="1">
-              <a:lnSpc>
-                <a:spcPct val="100000"/>
-              </a:lnSpc>
-              <a:spcBef>
-                <a:spcPct val="0"/>
-              </a:spcBef>
-              <a:spcAft>
-                <a:spcPct val="0"/>
-              </a:spcAft>
-              <a:buClrTx/>
-              <a:buSzTx/>
-              <a:buFontTx/>
-              <a:buNone/>
-              <a:tabLst/>
-            </a:pPr>
-            <a:r>
-              <a:rPr kumimoji="0" lang="fr-FR" sz="1200" b="0" i="0" u="none" strike="noStrike" cap="none" normalizeH="0" baseline="0" dirty="0" err="1">
-                <a:ln>
-                  <a:noFill/>
-                </a:ln>
-                <a:solidFill>
-                  <a:schemeClr val="tx1"/>
-                </a:solidFill>
-                <a:effectLst/>
-                <a:latin typeface="Trebuchet MS" pitchFamily="34" charset="0"/>
-              </a:rPr>
-              <a:t>Below</a:t>
-            </a:r>
-            <a:r>
-              <a:rPr kumimoji="0" lang="fr-FR" sz="1200" b="0" i="0" u="none" strike="noStrike" cap="none" normalizeH="0" baseline="0" dirty="0">
-                <a:ln>
-                  <a:noFill/>
-                </a:ln>
-                <a:solidFill>
-                  <a:schemeClr val="tx1"/>
-                </a:solidFill>
-                <a:effectLst/>
-                <a:latin typeface="Trebuchet MS" pitchFamily="34" charset="0"/>
-              </a:rPr>
-              <a:t> 60</a:t>
+            <a:pPr algn="ctr"/>
+            <a:r>
+              <a:rPr lang="fr-FR" sz="1200" dirty="0"/>
+              <a:t>60-80</a:t>
             </a:r>
             <a:br>
-              <a:rPr kumimoji="0" lang="fr-FR" sz="1200" b="0" i="0" u="none" strike="noStrike" cap="none" normalizeH="0" baseline="0" dirty="0">
-                <a:ln>
-                  <a:noFill/>
-                </a:ln>
-                <a:solidFill>
-                  <a:schemeClr val="tx1"/>
-                </a:solidFill>
-                <a:effectLst/>
-                <a:latin typeface="Trebuchet MS" pitchFamily="34" charset="0"/>
-              </a:rPr>
+              <a:rPr lang="fr-FR" sz="1200" dirty="0"/>
             </a:br>
             <a:r>
-              <a:rPr kumimoji="0" lang="fr-FR" sz="1200" b="0" i="0" u="none" strike="noStrike" cap="none" normalizeH="0" baseline="0" dirty="0" err="1">
-                <a:ln>
-                  <a:noFill/>
-                </a:ln>
-                <a:solidFill>
-                  <a:schemeClr val="tx1"/>
-                </a:solidFill>
-                <a:effectLst/>
-                <a:latin typeface="Trebuchet MS" pitchFamily="34" charset="0"/>
-              </a:rPr>
+              <a:rPr lang="fr-FR" sz="1200" dirty="0" err="1"/>
               <a:t>years</a:t>
             </a:r>
             <a:r>
-              <a:rPr kumimoji="0" lang="fr-FR" sz="1200" b="0" i="0" u="none" strike="noStrike" cap="none" normalizeH="0" baseline="0" dirty="0">
-                <a:ln>
-                  <a:noFill/>
-                </a:ln>
-                <a:solidFill>
-                  <a:schemeClr val="tx1"/>
-                </a:solidFill>
-                <a:effectLst/>
-                <a:latin typeface="Trebuchet MS" pitchFamily="34" charset="0"/>
-              </a:rPr>
+              <a:rPr lang="fr-FR" sz="1200" dirty="0"/>
               <a:t> </a:t>
             </a:r>
             <a:r>
-              <a:rPr kumimoji="0" lang="fr-FR" sz="1200" b="0" i="0" u="none" strike="noStrike" cap="none" normalizeH="0" baseline="0" dirty="0" err="1">
-                <a:ln>
-                  <a:noFill/>
-                </a:ln>
-                <a:solidFill>
-                  <a:schemeClr val="tx1"/>
-                </a:solidFill>
-                <a:effectLst/>
-                <a:latin typeface="Trebuchet MS" pitchFamily="34" charset="0"/>
-              </a:rPr>
+              <a:rPr lang="fr-FR" sz="1200" dirty="0" err="1"/>
               <a:t>old</a:t>
             </a:r>
-            <a:endParaRPr kumimoji="0" lang="fr-FR" sz="1200" b="0" i="0" u="none" strike="noStrike" cap="none" normalizeH="0" baseline="0" dirty="0">
-              <a:ln>
-                <a:noFill/>
-              </a:ln>
-              <a:solidFill>
-                <a:schemeClr val="tx1"/>
-              </a:solidFill>
-              <a:effectLst/>
-              <a:latin typeface="Trebuchet MS" pitchFamily="34" charset="0"/>
-            </a:endParaRPr>
+            <a:endParaRPr lang="fr-FR" sz="1200" dirty="0"/>
           </a:p>
         </p:txBody>
       </p:sp>
@@ -12545,13 +12381,13 @@
         </p:nvSpPr>
         <p:spPr bwMode="auto">
           <a:xfrm>
-            <a:off x="7370144" y="2064900"/>
-            <a:ext cx="1406162" cy="786493"/>
+            <a:off x="6558197" y="2020020"/>
+            <a:ext cx="2305921" cy="1199508"/>
           </a:xfrm>
           <a:prstGeom prst="wedgeRoundRectCallout">
             <a:avLst>
-              <a:gd name="adj1" fmla="val -26697"/>
-              <a:gd name="adj2" fmla="val 119068"/>
+              <a:gd name="adj1" fmla="val -19263"/>
+              <a:gd name="adj2" fmla="val 67206"/>
               <a:gd name="adj3" fmla="val 16667"/>
             </a:avLst>
           </a:prstGeom>
@@ -12574,7 +12410,7 @@
           </a:effectLst>
         </p:spPr>
         <p:txBody>
-          <a:bodyPr vert="horz" wrap="square" lIns="91440" tIns="45720" rIns="91440" bIns="45720" numCol="1" rtlCol="0" anchor="ctr" anchorCtr="0" compatLnSpc="1">
+          <a:bodyPr vert="horz" wrap="square" lIns="91440" tIns="45720" rIns="91440" bIns="45720" numCol="1" rtlCol="0" anchor="t" anchorCtr="0" compatLnSpc="1">
             <a:prstTxWarp prst="textNoShape">
               <a:avLst/>
             </a:prstTxWarp>
@@ -13177,6 +13013,36 @@
           </a:p>
         </p:txBody>
       </p:sp>
+      <p:pic>
+        <p:nvPicPr>
+          <p:cNvPr id="8" name="Image 7">
+            <a:extLst>
+              <a:ext uri="{FF2B5EF4-FFF2-40B4-BE49-F238E27FC236}">
+                <a16:creationId xmlns:a16="http://schemas.microsoft.com/office/drawing/2014/main" id="{BF3E4B25-0A3A-4608-9C5A-54BE248928F2}"/>
+              </a:ext>
+            </a:extLst>
+          </p:cNvPr>
+          <p:cNvPicPr>
+            <a:picLocks noChangeAspect="1"/>
+          </p:cNvPicPr>
+          <p:nvPr/>
+        </p:nvPicPr>
+        <p:blipFill>
+          <a:blip r:embed="rId4"/>
+          <a:stretch>
+            <a:fillRect/>
+          </a:stretch>
+        </p:blipFill>
+        <p:spPr>
+          <a:xfrm>
+            <a:off x="6623500" y="2337524"/>
+            <a:ext cx="2152806" cy="786354"/>
+          </a:xfrm>
+          <a:prstGeom prst="rect">
+            <a:avLst/>
+          </a:prstGeom>
+        </p:spPr>
+      </p:pic>
     </p:spTree>
     <p:extLst>
       <p:ext uri="{BB962C8B-B14F-4D97-AF65-F5344CB8AC3E}">
@@ -13515,7 +13381,7 @@
         <p:spPr>
           <a:xfrm>
             <a:off x="715963" y="1215241"/>
-            <a:ext cx="7450667" cy="4801314"/>
+            <a:ext cx="7450667" cy="5170646"/>
           </a:xfrm>
           <a:prstGeom prst="rect">
             <a:avLst/>
@@ -13536,7 +13402,7 @@
               </a:spcAft>
             </a:pPr>
             <a:r>
-              <a:rPr lang="en-US" b="1" dirty="0">
+              <a:rPr lang="en-US" sz="1600" b="1" dirty="0">
                 <a:solidFill>
                   <a:srgbClr val="000000"/>
                 </a:solidFill>
@@ -13557,7 +13423,7 @@
               <a:buChar char="•"/>
             </a:pPr>
             <a:r>
-              <a:rPr lang="en-US" dirty="0">
+              <a:rPr lang="en-US" sz="1600" dirty="0">
                 <a:solidFill>
                   <a:srgbClr val="000000"/>
                 </a:solidFill>
@@ -13578,7 +13444,7 @@
               <a:buChar char="•"/>
             </a:pPr>
             <a:r>
-              <a:rPr lang="en-US" dirty="0">
+              <a:rPr lang="en-US" sz="1600" dirty="0">
                 <a:solidFill>
                   <a:srgbClr val="000000"/>
                 </a:solidFill>
@@ -13599,7 +13465,7 @@
               <a:buChar char="•"/>
             </a:pPr>
             <a:r>
-              <a:rPr lang="en-US" dirty="0">
+              <a:rPr lang="en-US" sz="1600" dirty="0">
                 <a:solidFill>
                   <a:srgbClr val="000000"/>
                 </a:solidFill>
@@ -13617,7 +13483,7 @@
                 <a:spcPts val="0"/>
               </a:spcAft>
             </a:pPr>
-            <a:endParaRPr lang="en-US" dirty="0">
+            <a:endParaRPr lang="en-US" sz="1600" dirty="0">
               <a:solidFill>
                 <a:srgbClr val="000000"/>
               </a:solidFill>
@@ -13634,7 +13500,7 @@
               </a:spcAft>
             </a:pPr>
             <a:r>
-              <a:rPr lang="en-US" b="1" dirty="0">
+              <a:rPr lang="en-US" sz="1600" b="1" dirty="0">
                 <a:solidFill>
                   <a:srgbClr val="000000"/>
                 </a:solidFill>
@@ -13655,7 +13521,7 @@
               <a:buChar char="•"/>
             </a:pPr>
             <a:r>
-              <a:rPr lang="en-US" dirty="0">
+              <a:rPr lang="en-US" sz="1600" dirty="0">
                 <a:solidFill>
                   <a:srgbClr val="000000"/>
                 </a:solidFill>
@@ -13675,7 +13541,7 @@
               <a:buFont typeface="Arial" panose="020B0604020202020204" pitchFamily="34" charset="0"/>
               <a:buChar char="•"/>
             </a:pPr>
-            <a:endParaRPr lang="en-US" dirty="0">
+            <a:endParaRPr lang="en-US" sz="1600" dirty="0">
               <a:solidFill>
                 <a:srgbClr val="000000"/>
               </a:solidFill>
@@ -13692,7 +13558,7 @@
               </a:spcAft>
             </a:pPr>
             <a:r>
-              <a:rPr lang="en-US" b="1" dirty="0">
+              <a:rPr lang="en-US" sz="1600" b="1" dirty="0">
                 <a:solidFill>
                   <a:srgbClr val="000000"/>
                 </a:solidFill>
@@ -13713,7 +13579,7 @@
               <a:buChar char="•"/>
             </a:pPr>
             <a:r>
-              <a:rPr lang="en-US" dirty="0">
+              <a:rPr lang="en-US" sz="1600" dirty="0">
                 <a:solidFill>
                   <a:srgbClr val="000000"/>
                 </a:solidFill>
@@ -13731,7 +13597,7 @@
                 <a:spcPts val="0"/>
               </a:spcAft>
             </a:pPr>
-            <a:endParaRPr lang="en-US" dirty="0">
+            <a:endParaRPr lang="en-US" sz="1600" dirty="0">
               <a:solidFill>
                 <a:srgbClr val="000000"/>
               </a:solidFill>
@@ -13748,7 +13614,7 @@
               </a:spcAft>
             </a:pPr>
             <a:r>
-              <a:rPr lang="en-US" b="1" dirty="0">
+              <a:rPr lang="en-US" sz="1600" b="1" dirty="0">
                 <a:solidFill>
                   <a:srgbClr val="000000"/>
                 </a:solidFill>
@@ -13769,7 +13635,7 @@
               <a:buChar char="•"/>
             </a:pPr>
             <a:r>
-              <a:rPr lang="en-US" dirty="0">
+              <a:rPr lang="en-US" sz="1600" dirty="0">
                 <a:solidFill>
                   <a:srgbClr val="000000"/>
                 </a:solidFill>
@@ -13790,13 +13656,119 @@
               <a:buChar char="•"/>
             </a:pPr>
             <a:r>
-              <a:rPr lang="en-US" dirty="0">
+              <a:rPr lang="en-US" sz="1600" dirty="0">
                 <a:solidFill>
                   <a:srgbClr val="000000"/>
                 </a:solidFill>
                 <a:latin typeface="Arial" panose="020B0604020202020204" pitchFamily="34" charset="0"/>
               </a:rPr>
               <a:t> EHPAD deaths:  same, when EHPAD death data is available</a:t>
+            </a:r>
+          </a:p>
+          <a:p>
+            <a:pPr lvl="1">
+              <a:spcBef>
+                <a:spcPts val="0"/>
+              </a:spcBef>
+              <a:spcAft>
+                <a:spcPts val="0"/>
+              </a:spcAft>
+              <a:buFont typeface="Arial" panose="020B0604020202020204" pitchFamily="34" charset="0"/>
+              <a:buChar char="•"/>
+            </a:pPr>
+            <a:endParaRPr lang="en-US" sz="1600" dirty="0">
+              <a:solidFill>
+                <a:srgbClr val="000000"/>
+              </a:solidFill>
+              <a:latin typeface="Arial" panose="020B0604020202020204" pitchFamily="34" charset="0"/>
+            </a:endParaRPr>
+          </a:p>
+          <a:p>
+            <a:pPr>
+              <a:spcBef>
+                <a:spcPts val="0"/>
+              </a:spcBef>
+              <a:spcAft>
+                <a:spcPts val="0"/>
+              </a:spcAft>
+            </a:pPr>
+            <a:r>
+              <a:rPr lang="en-US" sz="1600" b="1" dirty="0">
+                <a:solidFill>
+                  <a:srgbClr val="FF0000"/>
+                </a:solidFill>
+                <a:latin typeface="Arial" panose="020B0604020202020204" pitchFamily="34" charset="0"/>
+              </a:rPr>
+              <a:t>Key</a:t>
+            </a:r>
+            <a:r>
+              <a:rPr lang="en-US" sz="1600" dirty="0">
+                <a:solidFill>
+                  <a:srgbClr val="000000"/>
+                </a:solidFill>
+                <a:latin typeface="Arial" panose="020B0604020202020204" pitchFamily="34" charset="0"/>
+              </a:rPr>
+              <a:t> : </a:t>
+            </a:r>
+            <a:r>
+              <a:rPr lang="en-US" sz="1600" b="1" dirty="0">
+                <a:solidFill>
+                  <a:srgbClr val="000000"/>
+                </a:solidFill>
+                <a:latin typeface="Arial" panose="020B0604020202020204" pitchFamily="34" charset="0"/>
+              </a:rPr>
+              <a:t>the hard part is to estimate the coverage of tests, that is the ratio between the observed tests and those that could have been observed</a:t>
+            </a:r>
+            <a:r>
+              <a:rPr lang="en-US" sz="1600" dirty="0">
+                <a:solidFill>
+                  <a:srgbClr val="000000"/>
+                </a:solidFill>
+                <a:latin typeface="Arial" panose="020B0604020202020204" pitchFamily="34" charset="0"/>
+              </a:rPr>
+              <a:t>.</a:t>
+            </a:r>
+          </a:p>
+          <a:p>
+            <a:pPr marL="285750" indent="-285750">
+              <a:spcBef>
+                <a:spcPts val="0"/>
+              </a:spcBef>
+              <a:spcAft>
+                <a:spcPts val="0"/>
+              </a:spcAft>
+              <a:buFont typeface="Arial" panose="020B0604020202020204" pitchFamily="34" charset="0"/>
+              <a:buChar char="•"/>
+            </a:pPr>
+            <a:r>
+              <a:rPr lang="en-US" sz="1400" dirty="0">
+                <a:solidFill>
+                  <a:srgbClr val="000000"/>
+                </a:solidFill>
+                <a:latin typeface="Arial" panose="020B0604020202020204" pitchFamily="34" charset="0"/>
+              </a:rPr>
+              <a:t>When trying to get an exact match with Pasteur’s data (including death rates), the “model breaks” in the sense that it requires a “tested sick / real sick” ratio of 2%.</a:t>
+            </a:r>
+          </a:p>
+          <a:p>
+            <a:pPr marL="285750" indent="-285750">
+              <a:spcBef>
+                <a:spcPts val="0"/>
+              </a:spcBef>
+              <a:spcAft>
+                <a:spcPts val="0"/>
+              </a:spcAft>
+              <a:buFont typeface="Arial" panose="020B0604020202020204" pitchFamily="34" charset="0"/>
+              <a:buChar char="•"/>
+            </a:pPr>
+            <a:r>
+              <a:rPr lang="en-US" sz="1400" dirty="0">
+                <a:solidFill>
+                  <a:srgbClr val="000000"/>
+                </a:solidFill>
+                <a:latin typeface="Arial" panose="020B0604020202020204" pitchFamily="34" charset="0"/>
+              </a:rPr>
+              <a:t>Using Germany as a comparison point helps : 8 -10% is plausible.</a:t>
             </a:r>
           </a:p>
         </p:txBody>
@@ -17778,6 +17750,49 @@
           </a:graphicData>
         </a:graphic>
       </p:graphicFrame>
+      <p:sp>
+        <p:nvSpPr>
+          <p:cNvPr id="3" name="ZoneTexte 2">
+            <a:extLst>
+              <a:ext uri="{FF2B5EF4-FFF2-40B4-BE49-F238E27FC236}">
+                <a16:creationId xmlns:a16="http://schemas.microsoft.com/office/drawing/2014/main" id="{243349C2-E939-4B9C-9983-196C4E8AEA42}"/>
+              </a:ext>
+            </a:extLst>
+          </p:cNvPr>
+          <p:cNvSpPr txBox="1"/>
+          <p:nvPr/>
+        </p:nvSpPr>
+        <p:spPr>
+          <a:xfrm>
+            <a:off x="944382" y="866988"/>
+            <a:ext cx="1846980" cy="307777"/>
+          </a:xfrm>
+          <a:prstGeom prst="rect">
+            <a:avLst/>
+          </a:prstGeom>
+          <a:noFill/>
+        </p:spPr>
+        <p:txBody>
+          <a:bodyPr wrap="none" rtlCol="0">
+            <a:spAutoFit/>
+          </a:bodyPr>
+          <a:lstStyle/>
+          <a:p>
+            <a:r>
+              <a:rPr lang="en-US" sz="1400" i="1" dirty="0"/>
+              <a:t>April 18</a:t>
+            </a:r>
+            <a:r>
+              <a:rPr lang="en-US" sz="1400" i="1" baseline="30000" dirty="0"/>
+              <a:t>th</a:t>
+            </a:r>
+            <a:r>
+              <a:rPr lang="en-US" sz="1400" i="1" dirty="0"/>
+              <a:t> simulation</a:t>
+            </a:r>
+          </a:p>
+        </p:txBody>
+      </p:sp>
     </p:spTree>
     <p:extLst>
       <p:ext uri="{BB962C8B-B14F-4D97-AF65-F5344CB8AC3E}">
